--- a/syscall_spelunker_slides.pptx
+++ b/syscall_spelunker_slides.pptx
@@ -275,12 +275,63 @@
 </p:presentation>
 </file>
 
-<file path=ppt/revisionInfo.xml><?xml version="1.0" encoding="utf-8"?>
-<p1510:revInfo xmlns:a="http://schemas.openxmlformats.org/drawingml/2006/main" xmlns:r="http://schemas.openxmlformats.org/officeDocument/2006/relationships" xmlns:p1510="http://schemas.microsoft.com/office/powerpoint/2015/10/main">
-  <p1510:revLst>
-    <p1510:client id="{B50A4A08-8D99-8245-83FB-B15CBC91AA6D}" v="28" dt="2025-06-06T01:52:35.583"/>
-  </p1510:revLst>
-</p1510:revInfo>
+<file path=ppt/changesInfos/changesInfo1.xml><?xml version="1.0" encoding="utf-8"?>
+<pc:chgInfo xmlns:a="http://schemas.openxmlformats.org/drawingml/2006/main" xmlns:r="http://schemas.openxmlformats.org/officeDocument/2006/relationships" xmlns:ac="http://schemas.microsoft.com/office/drawing/2013/main/command" xmlns:pc="http://schemas.microsoft.com/office/powerpoint/2013/main/command">
+  <pc:docChgLst>
+    <pc:chgData name="Josh Clark" userId="038a1c1f14b3b0b8" providerId="LiveId" clId="{6ADBDA9E-6B97-0D49-AC93-63637EA1B0E9}"/>
+    <pc:docChg chg="custSel modSld">
+      <pc:chgData name="Josh Clark" userId="038a1c1f14b3b0b8" providerId="LiveId" clId="{6ADBDA9E-6B97-0D49-AC93-63637EA1B0E9}" dt="2025-06-11T22:31:41.053" v="19"/>
+      <pc:docMkLst>
+        <pc:docMk/>
+      </pc:docMkLst>
+      <pc:sldChg chg="modSp mod">
+        <pc:chgData name="Josh Clark" userId="038a1c1f14b3b0b8" providerId="LiveId" clId="{6ADBDA9E-6B97-0D49-AC93-63637EA1B0E9}" dt="2025-06-11T22:31:14.822" v="5" actId="27636"/>
+        <pc:sldMkLst>
+          <pc:docMk/>
+          <pc:sldMk cId="0" sldId="256"/>
+        </pc:sldMkLst>
+        <pc:spChg chg="mod">
+          <ac:chgData name="Josh Clark" userId="038a1c1f14b3b0b8" providerId="LiveId" clId="{6ADBDA9E-6B97-0D49-AC93-63637EA1B0E9}" dt="2025-06-11T22:31:14.822" v="5" actId="27636"/>
+          <ac:spMkLst>
+            <pc:docMk/>
+            <pc:sldMk cId="0" sldId="256"/>
+            <ac:spMk id="55" creationId="{00000000-0000-0000-0000-000000000000}"/>
+          </ac:spMkLst>
+        </pc:spChg>
+      </pc:sldChg>
+      <pc:sldChg chg="modSp mod">
+        <pc:chgData name="Josh Clark" userId="038a1c1f14b3b0b8" providerId="LiveId" clId="{6ADBDA9E-6B97-0D49-AC93-63637EA1B0E9}" dt="2025-06-11T22:31:26.116" v="11" actId="27636"/>
+        <pc:sldMkLst>
+          <pc:docMk/>
+          <pc:sldMk cId="0" sldId="258"/>
+        </pc:sldMkLst>
+        <pc:spChg chg="mod">
+          <ac:chgData name="Josh Clark" userId="038a1c1f14b3b0b8" providerId="LiveId" clId="{6ADBDA9E-6B97-0D49-AC93-63637EA1B0E9}" dt="2025-06-11T22:31:26.116" v="11" actId="27636"/>
+          <ac:spMkLst>
+            <pc:docMk/>
+            <pc:sldMk cId="0" sldId="258"/>
+            <ac:spMk id="68" creationId="{00000000-0000-0000-0000-000000000000}"/>
+          </ac:spMkLst>
+        </pc:spChg>
+      </pc:sldChg>
+      <pc:sldChg chg="modSp mod">
+        <pc:chgData name="Josh Clark" userId="038a1c1f14b3b0b8" providerId="LiveId" clId="{6ADBDA9E-6B97-0D49-AC93-63637EA1B0E9}" dt="2025-06-11T22:31:41.053" v="19"/>
+        <pc:sldMkLst>
+          <pc:docMk/>
+          <pc:sldMk cId="439466304" sldId="260"/>
+        </pc:sldMkLst>
+        <pc:spChg chg="mod">
+          <ac:chgData name="Josh Clark" userId="038a1c1f14b3b0b8" providerId="LiveId" clId="{6ADBDA9E-6B97-0D49-AC93-63637EA1B0E9}" dt="2025-06-11T22:31:41.053" v="19"/>
+          <ac:spMkLst>
+            <pc:docMk/>
+            <pc:sldMk cId="439466304" sldId="260"/>
+            <ac:spMk id="68" creationId="{00594FCE-FACE-C862-EB69-A6EA0789A318}"/>
+          </ac:spMkLst>
+        </pc:spChg>
+      </pc:sldChg>
+    </pc:docChg>
+  </pc:docChgLst>
+</pc:chgInfo>
 </file>
 
 <file path=ppt/notesMasters/notesMaster1.xml><?xml version="1.0" encoding="utf-8"?>
@@ -7486,7 +7537,7 @@
         <p:spPr>
           <a:xfrm>
             <a:off x="1753387" y="4430100"/>
-            <a:ext cx="8710366" cy="943800"/>
+            <a:ext cx="8710366" cy="1534500"/>
           </a:xfrm>
           <a:prstGeom prst="rect">
             <a:avLst/>
@@ -7543,6 +7594,55 @@
               <a:t>Stratoshark</a:t>
             </a:r>
             <a:endParaRPr lang="de-DE" dirty="0"/>
+          </a:p>
+          <a:p>
+            <a:pPr marL="0" lvl="0" indent="0" algn="ctr" rtl="0">
+              <a:lnSpc>
+                <a:spcPct val="115000"/>
+              </a:lnSpc>
+              <a:spcBef>
+                <a:spcPts val="0"/>
+              </a:spcBef>
+              <a:spcAft>
+                <a:spcPts val="0"/>
+              </a:spcAft>
+              <a:buNone/>
+            </a:pPr>
+            <a:endParaRPr lang="de-DE" dirty="0"/>
+          </a:p>
+          <a:p>
+            <a:pPr marL="0" lvl="0" indent="0" algn="ctr" rtl="0">
+              <a:lnSpc>
+                <a:spcPct val="115000"/>
+              </a:lnSpc>
+              <a:spcBef>
+                <a:spcPts val="0"/>
+              </a:spcBef>
+              <a:spcAft>
+                <a:spcPts val="0"/>
+              </a:spcAft>
+              <a:buNone/>
+            </a:pPr>
+            <a:r>
+              <a:rPr lang="de-DE" dirty="0"/>
+              <a:t>https://</a:t>
+            </a:r>
+            <a:r>
+              <a:rPr lang="de-DE" dirty="0" err="1"/>
+              <a:t>github.com</a:t>
+            </a:r>
+            <a:r>
+              <a:rPr lang="de-DE" dirty="0"/>
+              <a:t>/je-</a:t>
+            </a:r>
+            <a:r>
+              <a:rPr lang="de-DE" dirty="0" err="1"/>
+              <a:t>clark</a:t>
+            </a:r>
+            <a:r>
+              <a:rPr lang="de-DE" dirty="0"/>
+              <a:t>/sharkfest-25-us-stratoshark</a:t>
+            </a:r>
           </a:p>
         </p:txBody>
       </p:sp>
@@ -10801,7 +10901,7 @@
         </p:spPr>
         <p:txBody>
           <a:bodyPr spcFirstLastPara="1" wrap="square" lIns="91425" tIns="45700" rIns="91425" bIns="45700" anchor="t" anchorCtr="0">
-            <a:normAutofit/>
+            <a:normAutofit lnSpcReduction="10000"/>
           </a:bodyPr>
           <a:lstStyle/>
           <a:p>
@@ -11038,6 +11138,63 @@
             <a:r>
               <a:rPr lang="en-US" dirty="0"/>
               <a:t>Practice 	– 	Distributed System Troubleshooting</a:t>
+            </a:r>
+          </a:p>
+          <a:p>
+            <a:pPr marL="228600" lvl="0" indent="-228600" algn="l" rtl="0">
+              <a:lnSpc>
+                <a:spcPct val="90000"/>
+              </a:lnSpc>
+              <a:spcBef>
+                <a:spcPts val="0"/>
+              </a:spcBef>
+              <a:spcAft>
+                <a:spcPts val="600"/>
+              </a:spcAft>
+              <a:buClr>
+                <a:srgbClr val="3A3A3A"/>
+              </a:buClr>
+              <a:buSzPts val="2800"/>
+              <a:buChar char="•"/>
+            </a:pPr>
+            <a:endParaRPr lang="en-US" dirty="0"/>
+          </a:p>
+          <a:p>
+            <a:pPr marL="0" lvl="0" indent="0" algn="ctr" rtl="0">
+              <a:lnSpc>
+                <a:spcPct val="90000"/>
+              </a:lnSpc>
+              <a:spcBef>
+                <a:spcPts val="0"/>
+              </a:spcBef>
+              <a:spcAft>
+                <a:spcPts val="600"/>
+              </a:spcAft>
+              <a:buClr>
+                <a:srgbClr val="3A3A3A"/>
+              </a:buClr>
+              <a:buSzPts val="2800"/>
+              <a:buNone/>
+            </a:pPr>
+            <a:r>
+              <a:rPr lang="en-US" dirty="0"/>
+              <a:t>https://</a:t>
+            </a:r>
+            <a:r>
+              <a:rPr lang="en-US" dirty="0" err="1"/>
+              <a:t>github.com</a:t>
+            </a:r>
+            <a:r>
+              <a:rPr lang="en-US" dirty="0"/>
+              <a:t>/je-</a:t>
+            </a:r>
+            <a:r>
+              <a:rPr lang="en-US" dirty="0" err="1"/>
+              <a:t>clark</a:t>
+            </a:r>
+            <a:r>
+              <a:rPr lang="en-US" dirty="0"/>
+              <a:t>/sharkfest-25-us-stratoshark</a:t>
             </a:r>
           </a:p>
         </p:txBody>
@@ -12766,6 +12923,50 @@
             <a:r>
               <a:rPr lang="en-US" dirty="0"/>
               <a:t>Uses expertise in network protocols and Linux internals to identify bottlenecks in distributed systems</a:t>
+            </a:r>
+          </a:p>
+          <a:p>
+            <a:pPr marL="685800" lvl="1" indent="-228600">
+              <a:spcBef>
+                <a:spcPts val="0"/>
+              </a:spcBef>
+              <a:spcAft>
+                <a:spcPts val="600"/>
+              </a:spcAft>
+              <a:buSzPts val="2800"/>
+            </a:pPr>
+            <a:endParaRPr lang="en-US" dirty="0"/>
+          </a:p>
+          <a:p>
+            <a:pPr marL="457200" lvl="1" indent="0" algn="ctr">
+              <a:spcBef>
+                <a:spcPts val="0"/>
+              </a:spcBef>
+              <a:spcAft>
+                <a:spcPts val="600"/>
+              </a:spcAft>
+              <a:buSzPts val="2800"/>
+              <a:buNone/>
+            </a:pPr>
+            <a:r>
+              <a:rPr lang="en-US" dirty="0"/>
+              <a:t>https://</a:t>
+            </a:r>
+            <a:r>
+              <a:rPr lang="en-US" dirty="0" err="1"/>
+              <a:t>github.com</a:t>
+            </a:r>
+            <a:r>
+              <a:rPr lang="en-US" dirty="0"/>
+              <a:t>/je-</a:t>
+            </a:r>
+            <a:r>
+              <a:rPr lang="en-US" dirty="0" err="1"/>
+              <a:t>clark</a:t>
+            </a:r>
+            <a:r>
+              <a:rPr lang="en-US" dirty="0"/>
+              <a:t>/sharkfest-25-us-stratoshark</a:t>
             </a:r>
           </a:p>
         </p:txBody>

--- a/syscall_spelunker_slides.pptx
+++ b/syscall_spelunker_slides.pptx
@@ -275,12 +275,20 @@
 </p:presentation>
 </file>
 
+<file path=ppt/revisionInfo.xml><?xml version="1.0" encoding="utf-8"?>
+<p1510:revInfo xmlns:a="http://schemas.openxmlformats.org/drawingml/2006/main" xmlns:r="http://schemas.openxmlformats.org/officeDocument/2006/relationships" xmlns:p1510="http://schemas.microsoft.com/office/powerpoint/2015/10/main">
+  <p1510:revLst>
+    <p1510:client id="{6ADBDA9E-6B97-0D49-AC93-63637EA1B0E9}" v="2" dt="2025-06-18T12:47:27.454"/>
+  </p1510:revLst>
+</p1510:revInfo>
+</file>
+
 <file path=ppt/changesInfos/changesInfo1.xml><?xml version="1.0" encoding="utf-8"?>
 <pc:chgInfo xmlns:a="http://schemas.openxmlformats.org/drawingml/2006/main" xmlns:r="http://schemas.openxmlformats.org/officeDocument/2006/relationships" xmlns:ac="http://schemas.microsoft.com/office/drawing/2013/main/command" xmlns:pc="http://schemas.microsoft.com/office/powerpoint/2013/main/command">
   <pc:docChgLst>
     <pc:chgData name="Josh Clark" userId="038a1c1f14b3b0b8" providerId="LiveId" clId="{6ADBDA9E-6B97-0D49-AC93-63637EA1B0E9}"/>
     <pc:docChg chg="custSel modSld">
-      <pc:chgData name="Josh Clark" userId="038a1c1f14b3b0b8" providerId="LiveId" clId="{6ADBDA9E-6B97-0D49-AC93-63637EA1B0E9}" dt="2025-06-11T22:31:41.053" v="19"/>
+      <pc:chgData name="Josh Clark" userId="038a1c1f14b3b0b8" providerId="LiveId" clId="{6ADBDA9E-6B97-0D49-AC93-63637EA1B0E9}" dt="2025-06-18T12:47:47.823" v="224" actId="20577"/>
       <pc:docMkLst>
         <pc:docMk/>
       </pc:docMkLst>
@@ -300,13 +308,13 @@
         </pc:spChg>
       </pc:sldChg>
       <pc:sldChg chg="modSp mod">
-        <pc:chgData name="Josh Clark" userId="038a1c1f14b3b0b8" providerId="LiveId" clId="{6ADBDA9E-6B97-0D49-AC93-63637EA1B0E9}" dt="2025-06-11T22:31:26.116" v="11" actId="27636"/>
+        <pc:chgData name="Josh Clark" userId="038a1c1f14b3b0b8" providerId="LiveId" clId="{6ADBDA9E-6B97-0D49-AC93-63637EA1B0E9}" dt="2025-06-18T12:45:41.270" v="85" actId="27636"/>
         <pc:sldMkLst>
           <pc:docMk/>
           <pc:sldMk cId="0" sldId="258"/>
         </pc:sldMkLst>
         <pc:spChg chg="mod">
-          <ac:chgData name="Josh Clark" userId="038a1c1f14b3b0b8" providerId="LiveId" clId="{6ADBDA9E-6B97-0D49-AC93-63637EA1B0E9}" dt="2025-06-11T22:31:26.116" v="11" actId="27636"/>
+          <ac:chgData name="Josh Clark" userId="038a1c1f14b3b0b8" providerId="LiveId" clId="{6ADBDA9E-6B97-0D49-AC93-63637EA1B0E9}" dt="2025-06-18T12:45:41.270" v="85" actId="27636"/>
           <ac:spMkLst>
             <pc:docMk/>
             <pc:sldMk cId="0" sldId="258"/>
@@ -315,17 +323,78 @@
         </pc:spChg>
       </pc:sldChg>
       <pc:sldChg chg="modSp mod">
-        <pc:chgData name="Josh Clark" userId="038a1c1f14b3b0b8" providerId="LiveId" clId="{6ADBDA9E-6B97-0D49-AC93-63637EA1B0E9}" dt="2025-06-11T22:31:41.053" v="19"/>
+        <pc:chgData name="Josh Clark" userId="038a1c1f14b3b0b8" providerId="LiveId" clId="{6ADBDA9E-6B97-0D49-AC93-63637EA1B0E9}" dt="2025-06-18T12:45:09.205" v="78" actId="14100"/>
         <pc:sldMkLst>
           <pc:docMk/>
           <pc:sldMk cId="439466304" sldId="260"/>
         </pc:sldMkLst>
         <pc:spChg chg="mod">
-          <ac:chgData name="Josh Clark" userId="038a1c1f14b3b0b8" providerId="LiveId" clId="{6ADBDA9E-6B97-0D49-AC93-63637EA1B0E9}" dt="2025-06-11T22:31:41.053" v="19"/>
+          <ac:chgData name="Josh Clark" userId="038a1c1f14b3b0b8" providerId="LiveId" clId="{6ADBDA9E-6B97-0D49-AC93-63637EA1B0E9}" dt="2025-06-18T12:45:09.205" v="78" actId="14100"/>
           <ac:spMkLst>
             <pc:docMk/>
             <pc:sldMk cId="439466304" sldId="260"/>
             <ac:spMk id="68" creationId="{00594FCE-FACE-C862-EB69-A6EA0789A318}"/>
+          </ac:spMkLst>
+        </pc:spChg>
+      </pc:sldChg>
+      <pc:sldChg chg="modSp mod">
+        <pc:chgData name="Josh Clark" userId="038a1c1f14b3b0b8" providerId="LiveId" clId="{6ADBDA9E-6B97-0D49-AC93-63637EA1B0E9}" dt="2025-06-18T12:46:21.503" v="127" actId="1076"/>
+        <pc:sldMkLst>
+          <pc:docMk/>
+          <pc:sldMk cId="1409430002" sldId="264"/>
+        </pc:sldMkLst>
+        <pc:spChg chg="mod">
+          <ac:chgData name="Josh Clark" userId="038a1c1f14b3b0b8" providerId="LiveId" clId="{6ADBDA9E-6B97-0D49-AC93-63637EA1B0E9}" dt="2025-06-18T12:46:00.327" v="101" actId="1036"/>
+          <ac:spMkLst>
+            <pc:docMk/>
+            <pc:sldMk cId="1409430002" sldId="264"/>
+            <ac:spMk id="6" creationId="{B7508D93-4262-3CE3-08BD-766E80514382}"/>
+          </ac:spMkLst>
+        </pc:spChg>
+        <pc:picChg chg="mod">
+          <ac:chgData name="Josh Clark" userId="038a1c1f14b3b0b8" providerId="LiveId" clId="{6ADBDA9E-6B97-0D49-AC93-63637EA1B0E9}" dt="2025-06-18T12:46:21.503" v="127" actId="1076"/>
+          <ac:picMkLst>
+            <pc:docMk/>
+            <pc:sldMk cId="1409430002" sldId="264"/>
+            <ac:picMk id="5" creationId="{EB2E5D3D-7353-B965-D007-F7D018DE7830}"/>
+          </ac:picMkLst>
+        </pc:picChg>
+      </pc:sldChg>
+      <pc:sldChg chg="modSp mod">
+        <pc:chgData name="Josh Clark" userId="038a1c1f14b3b0b8" providerId="LiveId" clId="{6ADBDA9E-6B97-0D49-AC93-63637EA1B0E9}" dt="2025-06-18T12:46:46.254" v="138" actId="14100"/>
+        <pc:sldMkLst>
+          <pc:docMk/>
+          <pc:sldMk cId="2824743750" sldId="266"/>
+        </pc:sldMkLst>
+        <pc:spChg chg="mod">
+          <ac:chgData name="Josh Clark" userId="038a1c1f14b3b0b8" providerId="LiveId" clId="{6ADBDA9E-6B97-0D49-AC93-63637EA1B0E9}" dt="2025-06-18T12:46:42.140" v="137" actId="1036"/>
+          <ac:spMkLst>
+            <pc:docMk/>
+            <pc:sldMk cId="2824743750" sldId="266"/>
+            <ac:spMk id="3" creationId="{E8AB96C5-C2E9-5053-3AB9-AEC10E2CA969}"/>
+          </ac:spMkLst>
+        </pc:spChg>
+        <pc:picChg chg="mod">
+          <ac:chgData name="Josh Clark" userId="038a1c1f14b3b0b8" providerId="LiveId" clId="{6ADBDA9E-6B97-0D49-AC93-63637EA1B0E9}" dt="2025-06-18T12:46:46.254" v="138" actId="14100"/>
+          <ac:picMkLst>
+            <pc:docMk/>
+            <pc:sldMk cId="2824743750" sldId="266"/>
+            <ac:picMk id="1026" creationId="{0CC2C9E6-856F-3AB6-1AE1-10DEBC07C9F8}"/>
+          </ac:picMkLst>
+        </pc:picChg>
+      </pc:sldChg>
+      <pc:sldChg chg="modSp mod">
+        <pc:chgData name="Josh Clark" userId="038a1c1f14b3b0b8" providerId="LiveId" clId="{6ADBDA9E-6B97-0D49-AC93-63637EA1B0E9}" dt="2025-06-18T12:47:47.823" v="224" actId="20577"/>
+        <pc:sldMkLst>
+          <pc:docMk/>
+          <pc:sldMk cId="3824830265" sldId="276"/>
+        </pc:sldMkLst>
+        <pc:spChg chg="mod">
+          <ac:chgData name="Josh Clark" userId="038a1c1f14b3b0b8" providerId="LiveId" clId="{6ADBDA9E-6B97-0D49-AC93-63637EA1B0E9}" dt="2025-06-18T12:47:47.823" v="224" actId="20577"/>
+          <ac:spMkLst>
+            <pc:docMk/>
+            <pc:sldMk cId="3824830265" sldId="276"/>
+            <ac:spMk id="3" creationId="{133B5F1F-CFFA-539C-A4A9-E46F66B177F6}"/>
           </ac:spMkLst>
         </pc:spChg>
       </pc:sldChg>
@@ -7770,8 +7839,8 @@
         </p:blipFill>
         <p:spPr bwMode="auto">
           <a:xfrm>
-            <a:off x="775063" y="958009"/>
-            <a:ext cx="9875520" cy="5160216"/>
+            <a:off x="775063" y="958008"/>
+            <a:ext cx="10203724" cy="5331711"/>
           </a:xfrm>
           <a:prstGeom prst="rect">
             <a:avLst/>
@@ -7802,7 +7871,7 @@
         </p:nvSpPr>
         <p:spPr>
           <a:xfrm>
-            <a:off x="3468516" y="5819572"/>
+            <a:off x="3468516" y="5981943"/>
             <a:ext cx="5254965" cy="307777"/>
           </a:xfrm>
           <a:prstGeom prst="rect">
@@ -10760,6 +10829,24 @@
           </a:p>
           <a:p>
             <a:r>
+              <a:rPr lang="en-US" dirty="0" err="1"/>
+              <a:t>execve</a:t>
+            </a:r>
+            <a:r>
+              <a:rPr lang="en-US" dirty="0"/>
+              <a:t>() </a:t>
+            </a:r>
+            <a:r>
+              <a:rPr lang="en-US"/>
+              <a:t>returns to the </a:t>
+            </a:r>
+            <a:r>
+              <a:rPr lang="en-US" dirty="0"/>
+              <a:t>new process, but is called by the parent process</a:t>
+            </a:r>
+          </a:p>
+          <a:p>
+            <a:r>
               <a:rPr lang="en-US" dirty="0"/>
               <a:t>/proc is a directory where the kernel writes process and system statistics</a:t>
             </a:r>
@@ -10901,7 +10988,7 @@
         </p:spPr>
         <p:txBody>
           <a:bodyPr spcFirstLastPara="1" wrap="square" lIns="91425" tIns="45700" rIns="91425" bIns="45700" anchor="t" anchorCtr="0">
-            <a:normAutofit lnSpcReduction="10000"/>
+            <a:normAutofit fontScale="92500" lnSpcReduction="10000"/>
           </a:bodyPr>
           <a:lstStyle/>
           <a:p>
@@ -11027,7 +11114,7 @@
             </a:pPr>
             <a:r>
               <a:rPr lang="en-US" dirty="0"/>
-              <a:t>BREAK</a:t>
+              <a:t>Demo 	– 	HTTP Analysis</a:t>
             </a:r>
           </a:p>
           <a:p>
@@ -11049,7 +11136,7 @@
             </a:pPr>
             <a:r>
               <a:rPr lang="en-US" dirty="0"/>
-              <a:t>Demo 	– 	HTTP Analysis</a:t>
+              <a:t>BREAK</a:t>
             </a:r>
           </a:p>
           <a:p>
@@ -12844,8 +12931,8 @@
         </p:nvSpPr>
         <p:spPr>
           <a:xfrm>
-            <a:off x="838200" y="1994263"/>
-            <a:ext cx="10515600" cy="4182700"/>
+            <a:off x="838200" y="1384419"/>
+            <a:ext cx="10515600" cy="4792544"/>
           </a:xfrm>
           <a:prstGeom prst="rect">
             <a:avLst/>
@@ -12923,6 +13010,20 @@
             <a:r>
               <a:rPr lang="en-US" dirty="0"/>
               <a:t>Uses expertise in network protocols and Linux internals to identify bottlenecks in distributed systems</a:t>
+            </a:r>
+          </a:p>
+          <a:p>
+            <a:pPr marL="228600" indent="-228600">
+              <a:spcBef>
+                <a:spcPts val="0"/>
+              </a:spcBef>
+              <a:spcAft>
+                <a:spcPts val="600"/>
+              </a:spcAft>
+            </a:pPr>
+            <a:r>
+              <a:rPr lang="en-US" dirty="0"/>
+              <a:t>Wireshark Certified Analyst</a:t>
             </a:r>
           </a:p>
           <a:p>
@@ -14800,8 +14901,8 @@
         </p:blipFill>
         <p:spPr>
           <a:xfrm>
-            <a:off x="1932040" y="1087704"/>
-            <a:ext cx="8327919" cy="4351338"/>
+            <a:off x="1198103" y="737324"/>
+            <a:ext cx="9795793" cy="5118302"/>
           </a:xfrm>
           <a:prstGeom prst="rect">
             <a:avLst/>
@@ -14826,7 +14927,7 @@
         </p:nvSpPr>
         <p:spPr>
           <a:xfrm>
-            <a:off x="3468516" y="5462519"/>
+            <a:off x="3468516" y="5855626"/>
             <a:ext cx="5254965" cy="307777"/>
           </a:xfrm>
           <a:prstGeom prst="rect">
